--- a/docs/architecture.pptx
+++ b/docs/architecture.pptx
@@ -6,6 +6,7 @@
   </p:sldMasterIdLst>
   <p:sldIdLst>
     <p:sldId id="256" r:id="rId2"/>
+    <p:sldId id="257" r:id="rId3"/>
   </p:sldIdLst>
   <p:sldSz cx="7315200" cy="2743200"/>
   <p:notesSz cx="6858000" cy="9144000"/>
@@ -288,7 +289,7 @@
           <a:p>
             <a:fld id="{E3586369-E956-6E4D-AED5-E2ED29CA81DF}" type="datetimeFigureOut">
               <a:rPr lang="en-US" smtClean="0"/>
-              <a:t>2/16/16</a:t>
+              <a:t>2/26/16</a:t>
             </a:fld>
             <a:endParaRPr lang="en-US"/>
           </a:p>
@@ -458,7 +459,7 @@
           <a:p>
             <a:fld id="{E3586369-E956-6E4D-AED5-E2ED29CA81DF}" type="datetimeFigureOut">
               <a:rPr lang="en-US" smtClean="0"/>
-              <a:t>2/16/16</a:t>
+              <a:t>2/26/16</a:t>
             </a:fld>
             <a:endParaRPr lang="en-US"/>
           </a:p>
@@ -638,7 +639,7 @@
           <a:p>
             <a:fld id="{E3586369-E956-6E4D-AED5-E2ED29CA81DF}" type="datetimeFigureOut">
               <a:rPr lang="en-US" smtClean="0"/>
-              <a:t>2/16/16</a:t>
+              <a:t>2/26/16</a:t>
             </a:fld>
             <a:endParaRPr lang="en-US"/>
           </a:p>
@@ -808,7 +809,7 @@
           <a:p>
             <a:fld id="{E3586369-E956-6E4D-AED5-E2ED29CA81DF}" type="datetimeFigureOut">
               <a:rPr lang="en-US" smtClean="0"/>
-              <a:t>2/16/16</a:t>
+              <a:t>2/26/16</a:t>
             </a:fld>
             <a:endParaRPr lang="en-US"/>
           </a:p>
@@ -1054,7 +1055,7 @@
           <a:p>
             <a:fld id="{E3586369-E956-6E4D-AED5-E2ED29CA81DF}" type="datetimeFigureOut">
               <a:rPr lang="en-US" smtClean="0"/>
-              <a:t>2/16/16</a:t>
+              <a:t>2/26/16</a:t>
             </a:fld>
             <a:endParaRPr lang="en-US"/>
           </a:p>
@@ -1342,7 +1343,7 @@
           <a:p>
             <a:fld id="{E3586369-E956-6E4D-AED5-E2ED29CA81DF}" type="datetimeFigureOut">
               <a:rPr lang="en-US" smtClean="0"/>
-              <a:t>2/16/16</a:t>
+              <a:t>2/26/16</a:t>
             </a:fld>
             <a:endParaRPr lang="en-US"/>
           </a:p>
@@ -1769,7 +1770,7 @@
           <a:p>
             <a:fld id="{E3586369-E956-6E4D-AED5-E2ED29CA81DF}" type="datetimeFigureOut">
               <a:rPr lang="en-US" smtClean="0"/>
-              <a:t>2/16/16</a:t>
+              <a:t>2/26/16</a:t>
             </a:fld>
             <a:endParaRPr lang="en-US"/>
           </a:p>
@@ -1887,7 +1888,7 @@
           <a:p>
             <a:fld id="{E3586369-E956-6E4D-AED5-E2ED29CA81DF}" type="datetimeFigureOut">
               <a:rPr lang="en-US" smtClean="0"/>
-              <a:t>2/16/16</a:t>
+              <a:t>2/26/16</a:t>
             </a:fld>
             <a:endParaRPr lang="en-US"/>
           </a:p>
@@ -1982,7 +1983,7 @@
           <a:p>
             <a:fld id="{E3586369-E956-6E4D-AED5-E2ED29CA81DF}" type="datetimeFigureOut">
               <a:rPr lang="en-US" smtClean="0"/>
-              <a:t>2/16/16</a:t>
+              <a:t>2/26/16</a:t>
             </a:fld>
             <a:endParaRPr lang="en-US"/>
           </a:p>
@@ -2259,7 +2260,7 @@
           <a:p>
             <a:fld id="{E3586369-E956-6E4D-AED5-E2ED29CA81DF}" type="datetimeFigureOut">
               <a:rPr lang="en-US" smtClean="0"/>
-              <a:t>2/16/16</a:t>
+              <a:t>2/26/16</a:t>
             </a:fld>
             <a:endParaRPr lang="en-US"/>
           </a:p>
@@ -2512,7 +2513,7 @@
           <a:p>
             <a:fld id="{E3586369-E956-6E4D-AED5-E2ED29CA81DF}" type="datetimeFigureOut">
               <a:rPr lang="en-US" smtClean="0"/>
-              <a:t>2/16/16</a:t>
+              <a:t>2/26/16</a:t>
             </a:fld>
             <a:endParaRPr lang="en-US"/>
           </a:p>
@@ -2725,7 +2726,7 @@
           <a:p>
             <a:fld id="{E3586369-E956-6E4D-AED5-E2ED29CA81DF}" type="datetimeFigureOut">
               <a:rPr lang="en-US" smtClean="0"/>
-              <a:t>2/16/16</a:t>
+              <a:t>2/26/16</a:t>
             </a:fld>
             <a:endParaRPr lang="en-US"/>
           </a:p>
@@ -3875,6 +3876,1297 @@
     <p:extLst>
       <p:ext uri="{BB962C8B-B14F-4D97-AF65-F5344CB8AC3E}">
         <p14:creationId xmlns:p14="http://schemas.microsoft.com/office/powerpoint/2010/main" val="3756106141"/>
+      </p:ext>
+    </p:extLst>
+  </p:cSld>
+  <p:clrMapOvr>
+    <a:masterClrMapping/>
+  </p:clrMapOvr>
+</p:sld>
+</file>
+
+<file path=ppt/slides/slide2.xml><?xml version="1.0" encoding="utf-8"?>
+<p:sld xmlns:a="http://schemas.openxmlformats.org/drawingml/2006/main" xmlns:r="http://schemas.openxmlformats.org/officeDocument/2006/relationships" xmlns:p="http://schemas.openxmlformats.org/presentationml/2006/main">
+  <p:cSld>
+    <p:spTree>
+      <p:nvGrpSpPr>
+        <p:cNvPr id="1" name=""/>
+        <p:cNvGrpSpPr/>
+        <p:nvPr/>
+      </p:nvGrpSpPr>
+      <p:grpSpPr>
+        <a:xfrm>
+          <a:off x="0" y="0"/>
+          <a:ext cx="0" cy="0"/>
+          <a:chOff x="0" y="0"/>
+          <a:chExt cx="0" cy="0"/>
+        </a:xfrm>
+      </p:grpSpPr>
+      <p:sp>
+        <p:nvSpPr>
+          <p:cNvPr id="25" name="Rounded Rectangle 24"/>
+          <p:cNvSpPr/>
+          <p:nvPr/>
+        </p:nvSpPr>
+        <p:spPr>
+          <a:xfrm>
+            <a:off x="154215" y="114300"/>
+            <a:ext cx="4836885" cy="1666313"/>
+          </a:xfrm>
+          <a:prstGeom prst="roundRect">
+            <a:avLst>
+              <a:gd name="adj" fmla="val 8044"/>
+            </a:avLst>
+          </a:prstGeom>
+          <a:solidFill>
+            <a:schemeClr val="bg1">
+              <a:lumMod val="85000"/>
+            </a:schemeClr>
+          </a:solidFill>
+          <a:ln>
+            <a:solidFill>
+              <a:schemeClr val="bg1">
+                <a:lumMod val="65000"/>
+              </a:schemeClr>
+            </a:solidFill>
+          </a:ln>
+          <a:effectLst/>
+        </p:spPr>
+        <p:style>
+          <a:lnRef idx="1">
+            <a:schemeClr val="accent1"/>
+          </a:lnRef>
+          <a:fillRef idx="3">
+            <a:schemeClr val="accent1"/>
+          </a:fillRef>
+          <a:effectRef idx="2">
+            <a:schemeClr val="accent1"/>
+          </a:effectRef>
+          <a:fontRef idx="minor">
+            <a:schemeClr val="lt1"/>
+          </a:fontRef>
+        </p:style>
+        <p:txBody>
+          <a:bodyPr rtlCol="0" anchor="ctr"/>
+          <a:lstStyle/>
+          <a:p>
+            <a:pPr algn="ctr"/>
+            <a:endParaRPr lang="en-US" sz="2800" dirty="0">
+              <a:solidFill>
+                <a:schemeClr val="tx1"/>
+              </a:solidFill>
+              <a:latin typeface="Times New Roman"/>
+              <a:cs typeface="Times New Roman"/>
+            </a:endParaRPr>
+          </a:p>
+        </p:txBody>
+      </p:sp>
+      <p:sp>
+        <p:nvSpPr>
+          <p:cNvPr id="6" name="Rounded Rectangle 5"/>
+          <p:cNvSpPr/>
+          <p:nvPr/>
+        </p:nvSpPr>
+        <p:spPr>
+          <a:xfrm>
+            <a:off x="5550342" y="2098955"/>
+            <a:ext cx="1651168" cy="419786"/>
+          </a:xfrm>
+          <a:prstGeom prst="roundRect">
+            <a:avLst/>
+          </a:prstGeom>
+          <a:solidFill>
+            <a:schemeClr val="accent3">
+              <a:lumMod val="60000"/>
+              <a:lumOff val="40000"/>
+            </a:schemeClr>
+          </a:solidFill>
+          <a:ln>
+            <a:solidFill>
+              <a:schemeClr val="accent3">
+                <a:lumMod val="75000"/>
+              </a:schemeClr>
+            </a:solidFill>
+          </a:ln>
+          <a:effectLst/>
+        </p:spPr>
+        <p:style>
+          <a:lnRef idx="1">
+            <a:schemeClr val="accent1"/>
+          </a:lnRef>
+          <a:fillRef idx="3">
+            <a:schemeClr val="accent1"/>
+          </a:fillRef>
+          <a:effectRef idx="2">
+            <a:schemeClr val="accent1"/>
+          </a:effectRef>
+          <a:fontRef idx="minor">
+            <a:schemeClr val="lt1"/>
+          </a:fontRef>
+        </p:style>
+        <p:txBody>
+          <a:bodyPr rtlCol="0" anchor="ctr"/>
+          <a:lstStyle/>
+          <a:p>
+            <a:pPr algn="ctr"/>
+            <a:r>
+              <a:rPr lang="en-US" sz="1400" dirty="0" smtClean="0">
+                <a:solidFill>
+                  <a:schemeClr val="tx1"/>
+                </a:solidFill>
+                <a:latin typeface="Times New Roman"/>
+                <a:cs typeface="Times New Roman"/>
+              </a:rPr>
+              <a:t>Best suggestions</a:t>
+            </a:r>
+            <a:endParaRPr lang="en-US" sz="1400" dirty="0">
+              <a:solidFill>
+                <a:schemeClr val="tx1"/>
+              </a:solidFill>
+              <a:latin typeface="Times New Roman"/>
+              <a:cs typeface="Times New Roman"/>
+            </a:endParaRPr>
+          </a:p>
+        </p:txBody>
+      </p:sp>
+      <p:sp>
+        <p:nvSpPr>
+          <p:cNvPr id="36" name="Bent-Up Arrow 35"/>
+          <p:cNvSpPr/>
+          <p:nvPr/>
+        </p:nvSpPr>
+        <p:spPr>
+          <a:xfrm flipV="1">
+            <a:off x="4770444" y="807404"/>
+            <a:ext cx="1160456" cy="1362218"/>
+          </a:xfrm>
+          <a:prstGeom prst="bentUpArrow">
+            <a:avLst>
+              <a:gd name="adj1" fmla="val 11697"/>
+              <a:gd name="adj2" fmla="val 10661"/>
+              <a:gd name="adj3" fmla="val 10089"/>
+            </a:avLst>
+          </a:prstGeom>
+        </p:spPr>
+        <p:style>
+          <a:lnRef idx="1">
+            <a:schemeClr val="accent6"/>
+          </a:lnRef>
+          <a:fillRef idx="2">
+            <a:schemeClr val="accent6"/>
+          </a:fillRef>
+          <a:effectRef idx="1">
+            <a:schemeClr val="accent6"/>
+          </a:effectRef>
+          <a:fontRef idx="minor">
+            <a:schemeClr val="dk1"/>
+          </a:fontRef>
+        </p:style>
+        <p:txBody>
+          <a:bodyPr rtlCol="0" anchor="ctr"/>
+          <a:lstStyle/>
+          <a:p>
+            <a:pPr algn="ctr"/>
+            <a:endParaRPr lang="en-US"/>
+          </a:p>
+        </p:txBody>
+      </p:sp>
+      <p:sp>
+        <p:nvSpPr>
+          <p:cNvPr id="15" name="Down Arrow 14"/>
+          <p:cNvSpPr/>
+          <p:nvPr/>
+        </p:nvSpPr>
+        <p:spPr>
+          <a:xfrm rot="16200000">
+            <a:off x="5077264" y="1892570"/>
+            <a:ext cx="239352" cy="852992"/>
+          </a:xfrm>
+          <a:prstGeom prst="downArrow">
+            <a:avLst/>
+          </a:prstGeom>
+        </p:spPr>
+        <p:style>
+          <a:lnRef idx="1">
+            <a:schemeClr val="accent6"/>
+          </a:lnRef>
+          <a:fillRef idx="2">
+            <a:schemeClr val="accent6"/>
+          </a:fillRef>
+          <a:effectRef idx="1">
+            <a:schemeClr val="accent6"/>
+          </a:effectRef>
+          <a:fontRef idx="minor">
+            <a:schemeClr val="dk1"/>
+          </a:fontRef>
+        </p:style>
+        <p:txBody>
+          <a:bodyPr rtlCol="0" anchor="ctr"/>
+          <a:lstStyle/>
+          <a:p>
+            <a:pPr algn="ctr"/>
+            <a:endParaRPr lang="en-US"/>
+          </a:p>
+        </p:txBody>
+      </p:sp>
+      <p:sp>
+        <p:nvSpPr>
+          <p:cNvPr id="10" name="Rounded Rectangle 9"/>
+          <p:cNvSpPr/>
+          <p:nvPr/>
+        </p:nvSpPr>
+        <p:spPr>
+          <a:xfrm>
+            <a:off x="3180736" y="2098955"/>
+            <a:ext cx="1651168" cy="419786"/>
+          </a:xfrm>
+          <a:prstGeom prst="roundRect">
+            <a:avLst/>
+          </a:prstGeom>
+          <a:solidFill>
+            <a:schemeClr val="accent3">
+              <a:lumMod val="60000"/>
+              <a:lumOff val="40000"/>
+            </a:schemeClr>
+          </a:solidFill>
+          <a:ln>
+            <a:solidFill>
+              <a:schemeClr val="accent3">
+                <a:lumMod val="75000"/>
+              </a:schemeClr>
+            </a:solidFill>
+          </a:ln>
+          <a:effectLst/>
+        </p:spPr>
+        <p:style>
+          <a:lnRef idx="1">
+            <a:schemeClr val="accent1"/>
+          </a:lnRef>
+          <a:fillRef idx="3">
+            <a:schemeClr val="accent1"/>
+          </a:fillRef>
+          <a:effectRef idx="2">
+            <a:schemeClr val="accent1"/>
+          </a:effectRef>
+          <a:fontRef idx="minor">
+            <a:schemeClr val="lt1"/>
+          </a:fontRef>
+        </p:style>
+        <p:txBody>
+          <a:bodyPr rtlCol="0" anchor="ctr"/>
+          <a:lstStyle/>
+          <a:p>
+            <a:pPr algn="ctr"/>
+            <a:r>
+              <a:rPr lang="en-US" sz="1400" dirty="0" smtClean="0">
+                <a:solidFill>
+                  <a:schemeClr val="tx1"/>
+                </a:solidFill>
+                <a:latin typeface="Times New Roman"/>
+                <a:cs typeface="Times New Roman"/>
+              </a:rPr>
+              <a:t>Candidates</a:t>
+            </a:r>
+            <a:endParaRPr lang="en-US" sz="1400" dirty="0">
+              <a:solidFill>
+                <a:schemeClr val="tx1"/>
+              </a:solidFill>
+              <a:latin typeface="Times New Roman"/>
+              <a:cs typeface="Times New Roman"/>
+            </a:endParaRPr>
+          </a:p>
+        </p:txBody>
+      </p:sp>
+      <p:sp>
+        <p:nvSpPr>
+          <p:cNvPr id="21" name="Down Arrow 20"/>
+          <p:cNvSpPr/>
+          <p:nvPr/>
+        </p:nvSpPr>
+        <p:spPr>
+          <a:xfrm>
+            <a:off x="3885786" y="1582988"/>
+            <a:ext cx="239352" cy="586634"/>
+          </a:xfrm>
+          <a:prstGeom prst="downArrow">
+            <a:avLst/>
+          </a:prstGeom>
+        </p:spPr>
+        <p:style>
+          <a:lnRef idx="1">
+            <a:schemeClr val="accent6"/>
+          </a:lnRef>
+          <a:fillRef idx="2">
+            <a:schemeClr val="accent6"/>
+          </a:fillRef>
+          <a:effectRef idx="1">
+            <a:schemeClr val="accent6"/>
+          </a:effectRef>
+          <a:fontRef idx="minor">
+            <a:schemeClr val="dk1"/>
+          </a:fontRef>
+        </p:style>
+        <p:txBody>
+          <a:bodyPr rtlCol="0" anchor="ctr"/>
+          <a:lstStyle/>
+          <a:p>
+            <a:pPr algn="ctr"/>
+            <a:endParaRPr lang="en-US"/>
+          </a:p>
+        </p:txBody>
+      </p:sp>
+      <p:sp>
+        <p:nvSpPr>
+          <p:cNvPr id="9" name="Rounded Rectangle 8"/>
+          <p:cNvSpPr/>
+          <p:nvPr/>
+        </p:nvSpPr>
+        <p:spPr>
+          <a:xfrm>
+            <a:off x="3180736" y="1225072"/>
+            <a:ext cx="1651168" cy="419786"/>
+          </a:xfrm>
+          <a:prstGeom prst="roundRect">
+            <a:avLst/>
+          </a:prstGeom>
+          <a:solidFill>
+            <a:schemeClr val="tx2">
+              <a:lumMod val="40000"/>
+              <a:lumOff val="60000"/>
+            </a:schemeClr>
+          </a:solidFill>
+          <a:ln>
+            <a:solidFill>
+              <a:schemeClr val="accent1">
+                <a:lumMod val="75000"/>
+              </a:schemeClr>
+            </a:solidFill>
+          </a:ln>
+          <a:effectLst/>
+        </p:spPr>
+        <p:style>
+          <a:lnRef idx="1">
+            <a:schemeClr val="accent1"/>
+          </a:lnRef>
+          <a:fillRef idx="3">
+            <a:schemeClr val="accent1"/>
+          </a:fillRef>
+          <a:effectRef idx="2">
+            <a:schemeClr val="accent1"/>
+          </a:effectRef>
+          <a:fontRef idx="minor">
+            <a:schemeClr val="lt1"/>
+          </a:fontRef>
+        </p:style>
+        <p:txBody>
+          <a:bodyPr rtlCol="0" anchor="ctr"/>
+          <a:lstStyle/>
+          <a:p>
+            <a:pPr algn="ctr"/>
+            <a:r>
+              <a:rPr lang="en-US" sz="1400" dirty="0" smtClean="0">
+                <a:solidFill>
+                  <a:schemeClr val="tx1"/>
+                </a:solidFill>
+                <a:latin typeface="Times New Roman"/>
+                <a:cs typeface="Times New Roman"/>
+              </a:rPr>
+              <a:t>Command Syntax</a:t>
+            </a:r>
+            <a:endParaRPr lang="en-US" sz="1400" dirty="0">
+              <a:solidFill>
+                <a:schemeClr val="tx1"/>
+              </a:solidFill>
+              <a:latin typeface="Times New Roman"/>
+              <a:cs typeface="Times New Roman"/>
+            </a:endParaRPr>
+          </a:p>
+        </p:txBody>
+      </p:sp>
+      <p:sp>
+        <p:nvSpPr>
+          <p:cNvPr id="11" name="Rounded Rectangle 10"/>
+          <p:cNvSpPr/>
+          <p:nvPr/>
+        </p:nvSpPr>
+        <p:spPr>
+          <a:xfrm>
+            <a:off x="3180736" y="636638"/>
+            <a:ext cx="1651168" cy="419786"/>
+          </a:xfrm>
+          <a:prstGeom prst="roundRect">
+            <a:avLst/>
+          </a:prstGeom>
+          <a:solidFill>
+            <a:schemeClr val="tx2">
+              <a:lumMod val="40000"/>
+              <a:lumOff val="60000"/>
+            </a:schemeClr>
+          </a:solidFill>
+          <a:ln>
+            <a:solidFill>
+              <a:schemeClr val="accent1">
+                <a:lumMod val="75000"/>
+              </a:schemeClr>
+            </a:solidFill>
+          </a:ln>
+          <a:effectLst/>
+        </p:spPr>
+        <p:style>
+          <a:lnRef idx="1">
+            <a:schemeClr val="accent1"/>
+          </a:lnRef>
+          <a:fillRef idx="3">
+            <a:schemeClr val="accent1"/>
+          </a:fillRef>
+          <a:effectRef idx="2">
+            <a:schemeClr val="accent1"/>
+          </a:effectRef>
+          <a:fontRef idx="minor">
+            <a:schemeClr val="lt1"/>
+          </a:fontRef>
+        </p:style>
+        <p:txBody>
+          <a:bodyPr rtlCol="0" anchor="ctr"/>
+          <a:lstStyle/>
+          <a:p>
+            <a:pPr algn="ctr"/>
+            <a:r>
+              <a:rPr lang="en-US" sz="1400" dirty="0" smtClean="0">
+                <a:solidFill>
+                  <a:schemeClr val="tx1"/>
+                </a:solidFill>
+                <a:latin typeface="Times New Roman"/>
+                <a:cs typeface="Times New Roman"/>
+              </a:rPr>
+              <a:t>Scoring Function</a:t>
+            </a:r>
+            <a:endParaRPr lang="en-US" sz="1400" dirty="0">
+              <a:solidFill>
+                <a:schemeClr val="tx1"/>
+              </a:solidFill>
+              <a:latin typeface="Times New Roman"/>
+              <a:cs typeface="Times New Roman"/>
+            </a:endParaRPr>
+          </a:p>
+        </p:txBody>
+      </p:sp>
+      <p:sp>
+        <p:nvSpPr>
+          <p:cNvPr id="13" name="Down Arrow 12"/>
+          <p:cNvSpPr/>
+          <p:nvPr/>
+        </p:nvSpPr>
+        <p:spPr>
+          <a:xfrm rot="16200000">
+            <a:off x="2431784" y="154576"/>
+            <a:ext cx="239352" cy="1405631"/>
+          </a:xfrm>
+          <a:prstGeom prst="downArrow">
+            <a:avLst/>
+          </a:prstGeom>
+        </p:spPr>
+        <p:style>
+          <a:lnRef idx="1">
+            <a:schemeClr val="accent6"/>
+          </a:lnRef>
+          <a:fillRef idx="2">
+            <a:schemeClr val="accent6"/>
+          </a:fillRef>
+          <a:effectRef idx="1">
+            <a:schemeClr val="accent6"/>
+          </a:effectRef>
+          <a:fontRef idx="minor">
+            <a:schemeClr val="dk1"/>
+          </a:fontRef>
+        </p:style>
+        <p:txBody>
+          <a:bodyPr rtlCol="0" anchor="ctr"/>
+          <a:lstStyle/>
+          <a:p>
+            <a:pPr algn="ctr"/>
+            <a:endParaRPr lang="en-US"/>
+          </a:p>
+        </p:txBody>
+      </p:sp>
+      <p:sp>
+        <p:nvSpPr>
+          <p:cNvPr id="14" name="Down Arrow 13"/>
+          <p:cNvSpPr/>
+          <p:nvPr/>
+        </p:nvSpPr>
+        <p:spPr>
+          <a:xfrm rot="16200000">
+            <a:off x="2431783" y="1616250"/>
+            <a:ext cx="239352" cy="1405631"/>
+          </a:xfrm>
+          <a:prstGeom prst="downArrow">
+            <a:avLst/>
+          </a:prstGeom>
+        </p:spPr>
+        <p:style>
+          <a:lnRef idx="1">
+            <a:schemeClr val="accent6"/>
+          </a:lnRef>
+          <a:fillRef idx="2">
+            <a:schemeClr val="accent6"/>
+          </a:fillRef>
+          <a:effectRef idx="1">
+            <a:schemeClr val="accent6"/>
+          </a:effectRef>
+          <a:fontRef idx="minor">
+            <a:schemeClr val="dk1"/>
+          </a:fontRef>
+        </p:style>
+        <p:txBody>
+          <a:bodyPr rtlCol="0" anchor="ctr"/>
+          <a:lstStyle/>
+          <a:p>
+            <a:pPr algn="ctr"/>
+            <a:endParaRPr lang="en-US"/>
+          </a:p>
+        </p:txBody>
+      </p:sp>
+      <p:sp>
+        <p:nvSpPr>
+          <p:cNvPr id="4" name="Rounded Rectangle 3"/>
+          <p:cNvSpPr/>
+          <p:nvPr/>
+        </p:nvSpPr>
+        <p:spPr>
+          <a:xfrm>
+            <a:off x="303327" y="636638"/>
+            <a:ext cx="1651163" cy="419786"/>
+          </a:xfrm>
+          <a:prstGeom prst="roundRect">
+            <a:avLst/>
+          </a:prstGeom>
+          <a:solidFill>
+            <a:schemeClr val="accent2">
+              <a:lumMod val="60000"/>
+              <a:lumOff val="40000"/>
+            </a:schemeClr>
+          </a:solidFill>
+          <a:ln>
+            <a:solidFill>
+              <a:schemeClr val="accent2">
+                <a:lumMod val="75000"/>
+              </a:schemeClr>
+            </a:solidFill>
+          </a:ln>
+          <a:effectLst/>
+        </p:spPr>
+        <p:style>
+          <a:lnRef idx="1">
+            <a:schemeClr val="accent1"/>
+          </a:lnRef>
+          <a:fillRef idx="3">
+            <a:schemeClr val="accent1"/>
+          </a:fillRef>
+          <a:effectRef idx="2">
+            <a:schemeClr val="accent1"/>
+          </a:effectRef>
+          <a:fontRef idx="minor">
+            <a:schemeClr val="lt1"/>
+          </a:fontRef>
+        </p:style>
+        <p:txBody>
+          <a:bodyPr rtlCol="0" anchor="ctr"/>
+          <a:lstStyle/>
+          <a:p>
+            <a:pPr algn="ctr"/>
+            <a:r>
+              <a:rPr lang="en-US" sz="1400" dirty="0" smtClean="0">
+                <a:solidFill>
+                  <a:schemeClr val="tx1"/>
+                </a:solidFill>
+                <a:latin typeface="Times New Roman"/>
+                <a:cs typeface="Times New Roman"/>
+              </a:rPr>
+              <a:t>Examples</a:t>
+            </a:r>
+            <a:endParaRPr lang="en-US" sz="1400" dirty="0">
+              <a:solidFill>
+                <a:schemeClr val="tx1"/>
+              </a:solidFill>
+              <a:latin typeface="Times New Roman"/>
+              <a:cs typeface="Times New Roman"/>
+            </a:endParaRPr>
+          </a:p>
+        </p:txBody>
+      </p:sp>
+      <p:sp>
+        <p:nvSpPr>
+          <p:cNvPr id="7" name="Rounded Rectangle 6"/>
+          <p:cNvSpPr/>
+          <p:nvPr/>
+        </p:nvSpPr>
+        <p:spPr>
+          <a:xfrm>
+            <a:off x="303327" y="2098955"/>
+            <a:ext cx="1651163" cy="419784"/>
+          </a:xfrm>
+          <a:prstGeom prst="roundRect">
+            <a:avLst/>
+          </a:prstGeom>
+          <a:solidFill>
+            <a:schemeClr val="tx2">
+              <a:lumMod val="40000"/>
+              <a:lumOff val="60000"/>
+            </a:schemeClr>
+          </a:solidFill>
+          <a:ln>
+            <a:solidFill>
+              <a:schemeClr val="accent1">
+                <a:lumMod val="75000"/>
+              </a:schemeClr>
+            </a:solidFill>
+          </a:ln>
+          <a:effectLst/>
+        </p:spPr>
+        <p:style>
+          <a:lnRef idx="1">
+            <a:schemeClr val="accent1"/>
+          </a:lnRef>
+          <a:fillRef idx="3">
+            <a:schemeClr val="accent1"/>
+          </a:fillRef>
+          <a:effectRef idx="2">
+            <a:schemeClr val="accent1"/>
+          </a:effectRef>
+          <a:fontRef idx="minor">
+            <a:schemeClr val="lt1"/>
+          </a:fontRef>
+        </p:style>
+        <p:txBody>
+          <a:bodyPr rtlCol="0" anchor="ctr"/>
+          <a:lstStyle/>
+          <a:p>
+            <a:pPr algn="ctr"/>
+            <a:r>
+              <a:rPr lang="en-US" sz="1400" dirty="0" smtClean="0">
+                <a:solidFill>
+                  <a:schemeClr val="tx1"/>
+                </a:solidFill>
+                <a:latin typeface="Times New Roman"/>
+                <a:cs typeface="Times New Roman"/>
+              </a:rPr>
+              <a:t>Natural language</a:t>
+            </a:r>
+            <a:endParaRPr lang="en-US" sz="1400" dirty="0">
+              <a:solidFill>
+                <a:schemeClr val="tx1"/>
+              </a:solidFill>
+              <a:latin typeface="Times New Roman"/>
+              <a:cs typeface="Times New Roman"/>
+            </a:endParaRPr>
+          </a:p>
+        </p:txBody>
+      </p:sp>
+      <p:sp>
+        <p:nvSpPr>
+          <p:cNvPr id="16" name="Down Arrow 15"/>
+          <p:cNvSpPr/>
+          <p:nvPr/>
+        </p:nvSpPr>
+        <p:spPr>
+          <a:xfrm rot="15208619">
+            <a:off x="2441612" y="502228"/>
+            <a:ext cx="239352" cy="1405631"/>
+          </a:xfrm>
+          <a:prstGeom prst="downArrow">
+            <a:avLst/>
+          </a:prstGeom>
+        </p:spPr>
+        <p:style>
+          <a:lnRef idx="1">
+            <a:schemeClr val="accent6"/>
+          </a:lnRef>
+          <a:fillRef idx="2">
+            <a:schemeClr val="accent6"/>
+          </a:fillRef>
+          <a:effectRef idx="1">
+            <a:schemeClr val="accent6"/>
+          </a:effectRef>
+          <a:fontRef idx="minor">
+            <a:schemeClr val="dk1"/>
+          </a:fontRef>
+        </p:style>
+        <p:txBody>
+          <a:bodyPr rtlCol="0" anchor="ctr"/>
+          <a:lstStyle/>
+          <a:p>
+            <a:pPr algn="ctr"/>
+            <a:endParaRPr lang="en-US" dirty="0"/>
+          </a:p>
+        </p:txBody>
+      </p:sp>
+      <p:sp>
+        <p:nvSpPr>
+          <p:cNvPr id="17" name="Rectangle 16"/>
+          <p:cNvSpPr/>
+          <p:nvPr/>
+        </p:nvSpPr>
+        <p:spPr>
+          <a:xfrm>
+            <a:off x="2215467" y="513527"/>
+            <a:ext cx="647533" cy="246221"/>
+          </a:xfrm>
+          <a:prstGeom prst="rect">
+            <a:avLst/>
+          </a:prstGeom>
+        </p:spPr>
+        <p:txBody>
+          <a:bodyPr wrap="none">
+            <a:spAutoFit/>
+          </a:bodyPr>
+          <a:lstStyle/>
+          <a:p>
+            <a:pPr algn="ctr"/>
+            <a:r>
+              <a:rPr lang="en-US" dirty="0" smtClean="0">
+                <a:latin typeface="Times New Roman"/>
+                <a:cs typeface="Times New Roman"/>
+              </a:rPr>
+              <a:t>Learning</a:t>
+            </a:r>
+            <a:endParaRPr lang="en-US" dirty="0">
+              <a:latin typeface="Times New Roman"/>
+              <a:cs typeface="Times New Roman"/>
+            </a:endParaRPr>
+          </a:p>
+        </p:txBody>
+      </p:sp>
+      <p:sp>
+        <p:nvSpPr>
+          <p:cNvPr id="18" name="Rectangle 17"/>
+          <p:cNvSpPr/>
+          <p:nvPr/>
+        </p:nvSpPr>
+        <p:spPr>
+          <a:xfrm>
+            <a:off x="2254541" y="1534391"/>
+            <a:ext cx="569387" cy="246221"/>
+          </a:xfrm>
+          <a:prstGeom prst="rect">
+            <a:avLst/>
+          </a:prstGeom>
+        </p:spPr>
+        <p:txBody>
+          <a:bodyPr wrap="none">
+            <a:spAutoFit/>
+          </a:bodyPr>
+          <a:lstStyle/>
+          <a:p>
+            <a:pPr algn="ctr"/>
+            <a:r>
+              <a:rPr lang="en-US" dirty="0" smtClean="0">
+                <a:latin typeface="Times New Roman"/>
+                <a:cs typeface="Times New Roman"/>
+              </a:rPr>
+              <a:t>Parsing</a:t>
+            </a:r>
+            <a:endParaRPr lang="en-US" dirty="0">
+              <a:latin typeface="Times New Roman"/>
+              <a:cs typeface="Times New Roman"/>
+            </a:endParaRPr>
+          </a:p>
+        </p:txBody>
+      </p:sp>
+      <p:sp>
+        <p:nvSpPr>
+          <p:cNvPr id="19" name="Rectangle 18"/>
+          <p:cNvSpPr/>
+          <p:nvPr/>
+        </p:nvSpPr>
+        <p:spPr>
+          <a:xfrm>
+            <a:off x="2125691" y="2466501"/>
+            <a:ext cx="851515" cy="246221"/>
+          </a:xfrm>
+          <a:prstGeom prst="rect">
+            <a:avLst/>
+          </a:prstGeom>
+        </p:spPr>
+        <p:txBody>
+          <a:bodyPr wrap="none">
+            <a:spAutoFit/>
+          </a:bodyPr>
+          <a:lstStyle/>
+          <a:p>
+            <a:pPr algn="ctr"/>
+            <a:r>
+              <a:rPr lang="en-US" dirty="0" smtClean="0">
+                <a:latin typeface="Times New Roman"/>
+                <a:cs typeface="Times New Roman"/>
+              </a:rPr>
+              <a:t>Enumeration</a:t>
+            </a:r>
+            <a:endParaRPr lang="en-US" dirty="0">
+              <a:latin typeface="Times New Roman"/>
+              <a:cs typeface="Times New Roman"/>
+            </a:endParaRPr>
+          </a:p>
+        </p:txBody>
+      </p:sp>
+      <p:sp>
+        <p:nvSpPr>
+          <p:cNvPr id="20" name="Rectangle 19"/>
+          <p:cNvSpPr/>
+          <p:nvPr/>
+        </p:nvSpPr>
+        <p:spPr>
+          <a:xfrm>
+            <a:off x="4887337" y="2466501"/>
+            <a:ext cx="620683" cy="246221"/>
+          </a:xfrm>
+          <a:prstGeom prst="rect">
+            <a:avLst/>
+          </a:prstGeom>
+        </p:spPr>
+        <p:txBody>
+          <a:bodyPr wrap="none">
+            <a:spAutoFit/>
+          </a:bodyPr>
+          <a:lstStyle/>
+          <a:p>
+            <a:pPr algn="ctr"/>
+            <a:r>
+              <a:rPr lang="en-US" dirty="0" smtClean="0">
+                <a:latin typeface="Times New Roman"/>
+                <a:cs typeface="Times New Roman"/>
+              </a:rPr>
+              <a:t>Ranking</a:t>
+            </a:r>
+            <a:endParaRPr lang="en-US" dirty="0">
+              <a:latin typeface="Times New Roman"/>
+              <a:cs typeface="Times New Roman"/>
+            </a:endParaRPr>
+          </a:p>
+        </p:txBody>
+      </p:sp>
+      <p:sp>
+        <p:nvSpPr>
+          <p:cNvPr id="24" name="Rectangle 23"/>
+          <p:cNvSpPr/>
+          <p:nvPr/>
+        </p:nvSpPr>
+        <p:spPr>
+          <a:xfrm rot="20637134">
+            <a:off x="2165307" y="903381"/>
+            <a:ext cx="647533" cy="246221"/>
+          </a:xfrm>
+          <a:prstGeom prst="rect">
+            <a:avLst/>
+          </a:prstGeom>
+        </p:spPr>
+        <p:txBody>
+          <a:bodyPr wrap="none">
+            <a:spAutoFit/>
+          </a:bodyPr>
+          <a:lstStyle/>
+          <a:p>
+            <a:pPr algn="ctr"/>
+            <a:r>
+              <a:rPr lang="en-US" dirty="0" smtClean="0">
+                <a:latin typeface="Times New Roman"/>
+                <a:cs typeface="Times New Roman"/>
+              </a:rPr>
+              <a:t>Learning</a:t>
+            </a:r>
+            <a:endParaRPr lang="en-US" dirty="0">
+              <a:latin typeface="Times New Roman"/>
+              <a:cs typeface="Times New Roman"/>
+            </a:endParaRPr>
+          </a:p>
+        </p:txBody>
+      </p:sp>
+      <p:sp>
+        <p:nvSpPr>
+          <p:cNvPr id="26" name="Rectangle 25"/>
+          <p:cNvSpPr/>
+          <p:nvPr/>
+        </p:nvSpPr>
+        <p:spPr>
+          <a:xfrm>
+            <a:off x="2180359" y="114301"/>
+            <a:ext cx="699869" cy="307777"/>
+          </a:xfrm>
+          <a:prstGeom prst="rect">
+            <a:avLst/>
+          </a:prstGeom>
+        </p:spPr>
+        <p:txBody>
+          <a:bodyPr wrap="none">
+            <a:spAutoFit/>
+          </a:bodyPr>
+          <a:lstStyle/>
+          <a:p>
+            <a:pPr algn="ctr"/>
+            <a:r>
+              <a:rPr lang="en-US" sz="1400" dirty="0" smtClean="0">
+                <a:latin typeface="Times New Roman"/>
+                <a:cs typeface="Times New Roman"/>
+              </a:rPr>
+              <a:t>Offline</a:t>
+            </a:r>
+            <a:endParaRPr lang="en-US" sz="1400" dirty="0">
+              <a:latin typeface="Times New Roman"/>
+              <a:cs typeface="Times New Roman"/>
+            </a:endParaRPr>
+          </a:p>
+        </p:txBody>
+      </p:sp>
+      <p:sp>
+        <p:nvSpPr>
+          <p:cNvPr id="12" name="Down Arrow 11"/>
+          <p:cNvSpPr/>
+          <p:nvPr/>
+        </p:nvSpPr>
+        <p:spPr>
+          <a:xfrm rot="16200000">
+            <a:off x="2431785" y="711899"/>
+            <a:ext cx="239352" cy="1405631"/>
+          </a:xfrm>
+          <a:prstGeom prst="downArrow">
+            <a:avLst/>
+          </a:prstGeom>
+        </p:spPr>
+        <p:style>
+          <a:lnRef idx="1">
+            <a:schemeClr val="accent6"/>
+          </a:lnRef>
+          <a:fillRef idx="2">
+            <a:schemeClr val="accent6"/>
+          </a:fillRef>
+          <a:effectRef idx="1">
+            <a:schemeClr val="accent6"/>
+          </a:effectRef>
+          <a:fontRef idx="minor">
+            <a:schemeClr val="dk1"/>
+          </a:fontRef>
+        </p:style>
+        <p:txBody>
+          <a:bodyPr rtlCol="0" anchor="ctr"/>
+          <a:lstStyle/>
+          <a:p>
+            <a:pPr algn="ctr"/>
+            <a:endParaRPr lang="en-US"/>
+          </a:p>
+        </p:txBody>
+      </p:sp>
+      <p:sp>
+        <p:nvSpPr>
+          <p:cNvPr id="5" name="Rounded Rectangle 4"/>
+          <p:cNvSpPr/>
+          <p:nvPr/>
+        </p:nvSpPr>
+        <p:spPr>
+          <a:xfrm>
+            <a:off x="303327" y="1225072"/>
+            <a:ext cx="1651163" cy="419786"/>
+          </a:xfrm>
+          <a:prstGeom prst="roundRect">
+            <a:avLst/>
+          </a:prstGeom>
+          <a:solidFill>
+            <a:schemeClr val="accent2">
+              <a:lumMod val="60000"/>
+              <a:lumOff val="40000"/>
+            </a:schemeClr>
+          </a:solidFill>
+          <a:ln>
+            <a:solidFill>
+              <a:schemeClr val="accent2">
+                <a:lumMod val="75000"/>
+              </a:schemeClr>
+            </a:solidFill>
+          </a:ln>
+          <a:effectLst/>
+        </p:spPr>
+        <p:style>
+          <a:lnRef idx="1">
+            <a:schemeClr val="accent1"/>
+          </a:lnRef>
+          <a:fillRef idx="3">
+            <a:schemeClr val="accent1"/>
+          </a:fillRef>
+          <a:effectRef idx="2">
+            <a:schemeClr val="accent1"/>
+          </a:effectRef>
+          <a:fontRef idx="minor">
+            <a:schemeClr val="lt1"/>
+          </a:fontRef>
+        </p:style>
+        <p:txBody>
+          <a:bodyPr rtlCol="0" anchor="ctr"/>
+          <a:lstStyle/>
+          <a:p>
+            <a:pPr algn="ctr"/>
+            <a:r>
+              <a:rPr lang="en-US" sz="1400" dirty="0" err="1" smtClean="0">
+                <a:solidFill>
+                  <a:schemeClr val="tx1"/>
+                </a:solidFill>
+                <a:latin typeface="Times New Roman"/>
+                <a:cs typeface="Times New Roman"/>
+              </a:rPr>
+              <a:t>Manpages</a:t>
+            </a:r>
+            <a:endParaRPr lang="en-US" sz="1400" dirty="0">
+              <a:solidFill>
+                <a:schemeClr val="tx1"/>
+              </a:solidFill>
+              <a:latin typeface="Times New Roman"/>
+              <a:cs typeface="Times New Roman"/>
+            </a:endParaRPr>
+          </a:p>
+        </p:txBody>
+      </p:sp>
+      <p:sp>
+        <p:nvSpPr>
+          <p:cNvPr id="37" name="Rounded Rectangle 36"/>
+          <p:cNvSpPr/>
+          <p:nvPr/>
+        </p:nvSpPr>
+        <p:spPr>
+          <a:xfrm>
+            <a:off x="6048567" y="474945"/>
+            <a:ext cx="1152943" cy="296675"/>
+          </a:xfrm>
+          <a:prstGeom prst="roundRect">
+            <a:avLst/>
+          </a:prstGeom>
+          <a:solidFill>
+            <a:schemeClr val="accent2">
+              <a:lumMod val="60000"/>
+              <a:lumOff val="40000"/>
+            </a:schemeClr>
+          </a:solidFill>
+          <a:ln>
+            <a:solidFill>
+              <a:schemeClr val="accent2">
+                <a:lumMod val="75000"/>
+              </a:schemeClr>
+            </a:solidFill>
+          </a:ln>
+          <a:effectLst/>
+        </p:spPr>
+        <p:style>
+          <a:lnRef idx="1">
+            <a:schemeClr val="accent1"/>
+          </a:lnRef>
+          <a:fillRef idx="3">
+            <a:schemeClr val="accent1"/>
+          </a:fillRef>
+          <a:effectRef idx="2">
+            <a:schemeClr val="accent1"/>
+          </a:effectRef>
+          <a:fontRef idx="minor">
+            <a:schemeClr val="lt1"/>
+          </a:fontRef>
+        </p:style>
+        <p:txBody>
+          <a:bodyPr rtlCol="0" anchor="ctr"/>
+          <a:lstStyle/>
+          <a:p>
+            <a:pPr algn="ctr"/>
+            <a:r>
+              <a:rPr lang="en-US" dirty="0" smtClean="0">
+                <a:solidFill>
+                  <a:schemeClr val="tx1"/>
+                </a:solidFill>
+                <a:latin typeface="Times New Roman"/>
+                <a:cs typeface="Times New Roman"/>
+              </a:rPr>
+              <a:t>Offline input</a:t>
+            </a:r>
+            <a:endParaRPr lang="en-US" dirty="0">
+              <a:solidFill>
+                <a:schemeClr val="tx1"/>
+              </a:solidFill>
+              <a:latin typeface="Times New Roman"/>
+              <a:cs typeface="Times New Roman"/>
+            </a:endParaRPr>
+          </a:p>
+        </p:txBody>
+      </p:sp>
+      <p:sp>
+        <p:nvSpPr>
+          <p:cNvPr id="38" name="Rectangle 37"/>
+          <p:cNvSpPr/>
+          <p:nvPr/>
+        </p:nvSpPr>
+        <p:spPr>
+          <a:xfrm>
+            <a:off x="6265465" y="112812"/>
+            <a:ext cx="723275" cy="307777"/>
+          </a:xfrm>
+          <a:prstGeom prst="rect">
+            <a:avLst/>
+          </a:prstGeom>
+        </p:spPr>
+        <p:txBody>
+          <a:bodyPr wrap="none">
+            <a:spAutoFit/>
+          </a:bodyPr>
+          <a:lstStyle/>
+          <a:p>
+            <a:pPr algn="ctr"/>
+            <a:r>
+              <a:rPr lang="en-US" sz="1400" dirty="0" smtClean="0">
+                <a:latin typeface="Times New Roman"/>
+                <a:cs typeface="Times New Roman"/>
+              </a:rPr>
+              <a:t>Legend</a:t>
+            </a:r>
+            <a:endParaRPr lang="en-US" sz="1400" dirty="0">
+              <a:latin typeface="Times New Roman"/>
+              <a:cs typeface="Times New Roman"/>
+            </a:endParaRPr>
+          </a:p>
+        </p:txBody>
+      </p:sp>
+      <p:sp>
+        <p:nvSpPr>
+          <p:cNvPr id="40" name="Rounded Rectangle 39"/>
+          <p:cNvSpPr/>
+          <p:nvPr/>
+        </p:nvSpPr>
+        <p:spPr>
+          <a:xfrm>
+            <a:off x="6048567" y="818676"/>
+            <a:ext cx="1152943" cy="296675"/>
+          </a:xfrm>
+          <a:prstGeom prst="roundRect">
+            <a:avLst/>
+          </a:prstGeom>
+          <a:solidFill>
+            <a:schemeClr val="tx2">
+              <a:lumMod val="40000"/>
+              <a:lumOff val="60000"/>
+            </a:schemeClr>
+          </a:solidFill>
+          <a:ln>
+            <a:solidFill>
+              <a:schemeClr val="accent1">
+                <a:lumMod val="75000"/>
+              </a:schemeClr>
+            </a:solidFill>
+          </a:ln>
+          <a:effectLst/>
+        </p:spPr>
+        <p:style>
+          <a:lnRef idx="1">
+            <a:schemeClr val="accent1"/>
+          </a:lnRef>
+          <a:fillRef idx="3">
+            <a:schemeClr val="accent1"/>
+          </a:fillRef>
+          <a:effectRef idx="2">
+            <a:schemeClr val="accent1"/>
+          </a:effectRef>
+          <a:fontRef idx="minor">
+            <a:schemeClr val="lt1"/>
+          </a:fontRef>
+        </p:style>
+        <p:txBody>
+          <a:bodyPr rtlCol="0" anchor="ctr"/>
+          <a:lstStyle/>
+          <a:p>
+            <a:pPr algn="ctr"/>
+            <a:r>
+              <a:rPr lang="en-US" dirty="0" smtClean="0">
+                <a:solidFill>
+                  <a:schemeClr val="tx1"/>
+                </a:solidFill>
+                <a:latin typeface="Times New Roman"/>
+                <a:cs typeface="Times New Roman"/>
+              </a:rPr>
+              <a:t>Input</a:t>
+            </a:r>
+            <a:endParaRPr lang="en-US" dirty="0">
+              <a:solidFill>
+                <a:schemeClr val="tx1"/>
+              </a:solidFill>
+              <a:latin typeface="Times New Roman"/>
+              <a:cs typeface="Times New Roman"/>
+            </a:endParaRPr>
+          </a:p>
+        </p:txBody>
+      </p:sp>
+      <p:sp>
+        <p:nvSpPr>
+          <p:cNvPr id="41" name="Rounded Rectangle 40"/>
+          <p:cNvSpPr/>
+          <p:nvPr/>
+        </p:nvSpPr>
+        <p:spPr>
+          <a:xfrm>
+            <a:off x="6048567" y="1174510"/>
+            <a:ext cx="1152943" cy="296675"/>
+          </a:xfrm>
+          <a:prstGeom prst="roundRect">
+            <a:avLst/>
+          </a:prstGeom>
+          <a:solidFill>
+            <a:schemeClr val="accent3">
+              <a:lumMod val="60000"/>
+              <a:lumOff val="40000"/>
+            </a:schemeClr>
+          </a:solidFill>
+          <a:ln>
+            <a:solidFill>
+              <a:schemeClr val="accent3">
+                <a:lumMod val="75000"/>
+              </a:schemeClr>
+            </a:solidFill>
+          </a:ln>
+          <a:effectLst/>
+        </p:spPr>
+        <p:style>
+          <a:lnRef idx="1">
+            <a:schemeClr val="accent1"/>
+          </a:lnRef>
+          <a:fillRef idx="3">
+            <a:schemeClr val="accent1"/>
+          </a:fillRef>
+          <a:effectRef idx="2">
+            <a:schemeClr val="accent1"/>
+          </a:effectRef>
+          <a:fontRef idx="minor">
+            <a:schemeClr val="lt1"/>
+          </a:fontRef>
+        </p:style>
+        <p:txBody>
+          <a:bodyPr rtlCol="0" anchor="ctr"/>
+          <a:lstStyle/>
+          <a:p>
+            <a:pPr algn="ctr"/>
+            <a:r>
+              <a:rPr lang="en-US" dirty="0" smtClean="0">
+                <a:solidFill>
+                  <a:schemeClr val="tx1"/>
+                </a:solidFill>
+                <a:latin typeface="Times New Roman"/>
+                <a:cs typeface="Times New Roman"/>
+              </a:rPr>
+              <a:t>Output</a:t>
+            </a:r>
+            <a:endParaRPr lang="en-US" dirty="0">
+              <a:solidFill>
+                <a:schemeClr val="tx1"/>
+              </a:solidFill>
+              <a:latin typeface="Times New Roman"/>
+              <a:cs typeface="Times New Roman"/>
+            </a:endParaRPr>
+          </a:p>
+        </p:txBody>
+      </p:sp>
+    </p:spTree>
+    <p:extLst>
+      <p:ext uri="{BB962C8B-B14F-4D97-AF65-F5344CB8AC3E}">
+        <p14:creationId xmlns:p14="http://schemas.microsoft.com/office/powerpoint/2010/main" val="4202834784"/>
       </p:ext>
     </p:extLst>
   </p:cSld>
